--- a/Oligopoly_poster.pptx
+++ b/Oligopoly_poster.pptx
@@ -243,7 +243,7 @@
           <a:p>
             <a:fld id="{C9FC48C4-32F4-494A-BA6C-1CB60B50F340}" type="datetimeFigureOut">
               <a:rPr lang="it-IT" smtClean="0"/>
-              <a:t>12/09/18</a:t>
+              <a:t>07/10/18</a:t>
             </a:fld>
             <a:endParaRPr lang="it-IT"/>
           </a:p>
@@ -408,7 +408,7 @@
           <a:p>
             <a:fld id="{C9FC48C4-32F4-494A-BA6C-1CB60B50F340}" type="datetimeFigureOut">
               <a:rPr lang="it-IT" smtClean="0"/>
-              <a:t>12/09/18</a:t>
+              <a:t>07/10/18</a:t>
             </a:fld>
             <a:endParaRPr lang="it-IT"/>
           </a:p>
@@ -583,7 +583,7 @@
           <a:p>
             <a:fld id="{C9FC48C4-32F4-494A-BA6C-1CB60B50F340}" type="datetimeFigureOut">
               <a:rPr lang="it-IT" smtClean="0"/>
-              <a:t>12/09/18</a:t>
+              <a:t>07/10/18</a:t>
             </a:fld>
             <a:endParaRPr lang="it-IT"/>
           </a:p>
@@ -748,7 +748,7 @@
           <a:p>
             <a:fld id="{C9FC48C4-32F4-494A-BA6C-1CB60B50F340}" type="datetimeFigureOut">
               <a:rPr lang="it-IT" smtClean="0"/>
-              <a:t>12/09/18</a:t>
+              <a:t>07/10/18</a:t>
             </a:fld>
             <a:endParaRPr lang="it-IT"/>
           </a:p>
@@ -987,7 +987,7 @@
           <a:p>
             <a:fld id="{C9FC48C4-32F4-494A-BA6C-1CB60B50F340}" type="datetimeFigureOut">
               <a:rPr lang="it-IT" smtClean="0"/>
-              <a:t>12/09/18</a:t>
+              <a:t>07/10/18</a:t>
             </a:fld>
             <a:endParaRPr lang="it-IT"/>
           </a:p>
@@ -1214,7 +1214,7 @@
           <a:p>
             <a:fld id="{C9FC48C4-32F4-494A-BA6C-1CB60B50F340}" type="datetimeFigureOut">
               <a:rPr lang="it-IT" smtClean="0"/>
-              <a:t>12/09/18</a:t>
+              <a:t>07/10/18</a:t>
             </a:fld>
             <a:endParaRPr lang="it-IT"/>
           </a:p>
@@ -1576,7 +1576,7 @@
           <a:p>
             <a:fld id="{C9FC48C4-32F4-494A-BA6C-1CB60B50F340}" type="datetimeFigureOut">
               <a:rPr lang="it-IT" smtClean="0"/>
-              <a:t>12/09/18</a:t>
+              <a:t>07/10/18</a:t>
             </a:fld>
             <a:endParaRPr lang="it-IT"/>
           </a:p>
@@ -1689,7 +1689,7 @@
           <a:p>
             <a:fld id="{C9FC48C4-32F4-494A-BA6C-1CB60B50F340}" type="datetimeFigureOut">
               <a:rPr lang="it-IT" smtClean="0"/>
-              <a:t>12/09/18</a:t>
+              <a:t>07/10/18</a:t>
             </a:fld>
             <a:endParaRPr lang="it-IT"/>
           </a:p>
@@ -1779,7 +1779,7 @@
           <a:p>
             <a:fld id="{C9FC48C4-32F4-494A-BA6C-1CB60B50F340}" type="datetimeFigureOut">
               <a:rPr lang="it-IT" smtClean="0"/>
-              <a:t>12/09/18</a:t>
+              <a:t>07/10/18</a:t>
             </a:fld>
             <a:endParaRPr lang="it-IT"/>
           </a:p>
@@ -2051,7 +2051,7 @@
           <a:p>
             <a:fld id="{C9FC48C4-32F4-494A-BA6C-1CB60B50F340}" type="datetimeFigureOut">
               <a:rPr lang="it-IT" smtClean="0"/>
-              <a:t>12/09/18</a:t>
+              <a:t>07/10/18</a:t>
             </a:fld>
             <a:endParaRPr lang="it-IT"/>
           </a:p>
@@ -2303,7 +2303,7 @@
           <a:p>
             <a:fld id="{C9FC48C4-32F4-494A-BA6C-1CB60B50F340}" type="datetimeFigureOut">
               <a:rPr lang="it-IT" smtClean="0"/>
-              <a:t>12/09/18</a:t>
+              <a:t>07/10/18</a:t>
             </a:fld>
             <a:endParaRPr lang="it-IT"/>
           </a:p>
@@ -2511,7 +2511,7 @@
           <a:p>
             <a:fld id="{C9FC48C4-32F4-494A-BA6C-1CB60B50F340}" type="datetimeFigureOut">
               <a:rPr lang="it-IT" smtClean="0"/>
-              <a:t>12/09/18</a:t>
+              <a:t>07/10/18</a:t>
             </a:fld>
             <a:endParaRPr lang="it-IT"/>
           </a:p>
@@ -3162,10 +3162,10 @@
       </p:sp>
       <p:pic>
         <p:nvPicPr>
-          <p:cNvPr id="4" name="Immagine 3">
+          <p:cNvPr id="3" name="Immagine 2">
             <a:extLst>
               <a:ext uri="{FF2B5EF4-FFF2-40B4-BE49-F238E27FC236}">
-                <a16:creationId xmlns:a16="http://schemas.microsoft.com/office/drawing/2014/main" id="{39123CD1-81D1-9247-BE49-FC836D5D13FA}"/>
+                <a16:creationId xmlns:a16="http://schemas.microsoft.com/office/drawing/2014/main" id="{9065848E-F366-D144-A363-9CC825B2DF7D}"/>
               </a:ext>
             </a:extLst>
           </p:cNvPr>
@@ -3182,20 +3182,100 @@
         </p:blipFill>
         <p:spPr>
           <a:xfrm>
-            <a:off x="2128753" y="10008763"/>
-            <a:ext cx="20942470" cy="14786653"/>
+            <a:off x="8896915" y="5773045"/>
+            <a:ext cx="2568254" cy="2568254"/>
           </a:xfrm>
           <a:prstGeom prst="rect">
             <a:avLst/>
           </a:prstGeom>
         </p:spPr>
       </p:pic>
+      <p:sp>
+        <p:nvSpPr>
+          <p:cNvPr id="6" name="CasellaDiTesto 5">
+            <a:extLst>
+              <a:ext uri="{FF2B5EF4-FFF2-40B4-BE49-F238E27FC236}">
+                <a16:creationId xmlns:a16="http://schemas.microsoft.com/office/drawing/2014/main" id="{E87275F4-096D-4A47-B40C-E458EC6DAC7E}"/>
+              </a:ext>
+            </a:extLst>
+          </p:cNvPr>
+          <p:cNvSpPr txBox="1"/>
+          <p:nvPr/>
+        </p:nvSpPr>
+        <p:spPr>
+          <a:xfrm>
+            <a:off x="2057401" y="6413048"/>
+            <a:ext cx="7677714" cy="1323439"/>
+          </a:xfrm>
+          <a:prstGeom prst="rect">
+            <a:avLst/>
+          </a:prstGeom>
+          <a:noFill/>
+        </p:spPr>
+        <p:txBody>
+          <a:bodyPr wrap="square" rtlCol="0">
+            <a:spAutoFit/>
+          </a:bodyPr>
+          <a:lstStyle/>
+          <a:p>
+            <a:r>
+              <a:rPr lang="en-US" sz="8000" dirty="0">
+                <a:solidFill>
+                  <a:srgbClr val="FF0000"/>
+                </a:solidFill>
+                <a:latin typeface="Adobe Garamond Pro" panose="02020502060506020403" pitchFamily="18" charset="0"/>
+              </a:rPr>
+              <a:t>Formal model at:</a:t>
+            </a:r>
+          </a:p>
+        </p:txBody>
+      </p:sp>
+      <p:sp>
+        <p:nvSpPr>
+          <p:cNvPr id="12" name="CasellaDiTesto 11">
+            <a:extLst>
+              <a:ext uri="{FF2B5EF4-FFF2-40B4-BE49-F238E27FC236}">
+                <a16:creationId xmlns:a16="http://schemas.microsoft.com/office/drawing/2014/main" id="{17E3743F-D4E9-E546-8B6E-3D2C15DC4468}"/>
+              </a:ext>
+            </a:extLst>
+          </p:cNvPr>
+          <p:cNvSpPr txBox="1"/>
+          <p:nvPr/>
+        </p:nvSpPr>
+        <p:spPr>
+          <a:xfrm>
+            <a:off x="2057401" y="8546648"/>
+            <a:ext cx="9407768" cy="1323439"/>
+          </a:xfrm>
+          <a:prstGeom prst="rect">
+            <a:avLst/>
+          </a:prstGeom>
+          <a:noFill/>
+        </p:spPr>
+        <p:txBody>
+          <a:bodyPr wrap="square" rtlCol="0">
+            <a:spAutoFit/>
+          </a:bodyPr>
+          <a:lstStyle/>
+          <a:p>
+            <a:r>
+              <a:rPr lang="en-US" sz="8000" dirty="0">
+                <a:solidFill>
+                  <a:srgbClr val="FF0000"/>
+                </a:solidFill>
+                <a:latin typeface="Adobe Garamond Pro" panose="02020502060506020403" pitchFamily="18" charset="0"/>
+              </a:rPr>
+              <a:t>Agent-based model:</a:t>
+            </a:r>
+          </a:p>
+        </p:txBody>
+      </p:sp>
       <p:pic>
         <p:nvPicPr>
-          <p:cNvPr id="3" name="Immagine 2">
+          <p:cNvPr id="9" name="Immagine 8">
             <a:extLst>
               <a:ext uri="{FF2B5EF4-FFF2-40B4-BE49-F238E27FC236}">
-                <a16:creationId xmlns:a16="http://schemas.microsoft.com/office/drawing/2014/main" id="{9065848E-F366-D144-A363-9CC825B2DF7D}"/>
+                <a16:creationId xmlns:a16="http://schemas.microsoft.com/office/drawing/2014/main" id="{40338048-2C15-6844-8464-33DA40DC5D15}"/>
               </a:ext>
             </a:extLst>
           </p:cNvPr>
@@ -3212,94 +3292,44 @@
         </p:blipFill>
         <p:spPr>
           <a:xfrm>
-            <a:off x="8896915" y="5773045"/>
-            <a:ext cx="2568254" cy="2568254"/>
+            <a:off x="2362201" y="25024016"/>
+            <a:ext cx="21013822" cy="10748980"/>
           </a:xfrm>
           <a:prstGeom prst="rect">
             <a:avLst/>
           </a:prstGeom>
         </p:spPr>
       </p:pic>
-      <p:sp>
-        <p:nvSpPr>
-          <p:cNvPr id="6" name="CasellaDiTesto 5">
+      <p:pic>
+        <p:nvPicPr>
+          <p:cNvPr id="7" name="Immagine 6">
             <a:extLst>
               <a:ext uri="{FF2B5EF4-FFF2-40B4-BE49-F238E27FC236}">
-                <a16:creationId xmlns:a16="http://schemas.microsoft.com/office/drawing/2014/main" id="{E87275F4-096D-4A47-B40C-E458EC6DAC7E}"/>
+                <a16:creationId xmlns:a16="http://schemas.microsoft.com/office/drawing/2014/main" id="{DAEAD122-5AA4-8644-A024-1534466ED583}"/>
               </a:ext>
             </a:extLst>
           </p:cNvPr>
-          <p:cNvSpPr txBox="1"/>
+          <p:cNvPicPr>
+            <a:picLocks noChangeAspect="1"/>
+          </p:cNvPicPr>
           <p:nvPr/>
-        </p:nvSpPr>
+        </p:nvPicPr>
+        <p:blipFill>
+          <a:blip r:embed="rId5"/>
+          <a:stretch>
+            <a:fillRect/>
+          </a:stretch>
+        </p:blipFill>
         <p:spPr>
           <a:xfrm>
-            <a:off x="2057401" y="6413048"/>
-            <a:ext cx="7677714" cy="1323439"/>
+            <a:off x="2245477" y="10089751"/>
+            <a:ext cx="20709022" cy="14621824"/>
           </a:xfrm>
           <a:prstGeom prst="rect">
             <a:avLst/>
           </a:prstGeom>
-          <a:noFill/>
         </p:spPr>
-        <p:txBody>
-          <a:bodyPr wrap="square" rtlCol="0">
-            <a:spAutoFit/>
-          </a:bodyPr>
-          <a:lstStyle/>
-          <a:p>
-            <a:r>
-              <a:rPr lang="en-US" sz="8000" dirty="0">
-                <a:solidFill>
-                  <a:srgbClr val="FF0000"/>
-                </a:solidFill>
-                <a:latin typeface="Adobe Garamond Pro" panose="02020502060506020403" pitchFamily="18" charset="0"/>
-              </a:rPr>
-              <a:t>Formal model at:</a:t>
-            </a:r>
-          </a:p>
-        </p:txBody>
-      </p:sp>
-      <p:sp>
-        <p:nvSpPr>
-          <p:cNvPr id="12" name="CasellaDiTesto 11">
-            <a:extLst>
-              <a:ext uri="{FF2B5EF4-FFF2-40B4-BE49-F238E27FC236}">
-                <a16:creationId xmlns:a16="http://schemas.microsoft.com/office/drawing/2014/main" id="{17E3743F-D4E9-E546-8B6E-3D2C15DC4468}"/>
-              </a:ext>
-            </a:extLst>
-          </p:cNvPr>
-          <p:cNvSpPr txBox="1"/>
-          <p:nvPr/>
-        </p:nvSpPr>
-        <p:spPr>
-          <a:xfrm>
-            <a:off x="2057401" y="8546648"/>
-            <a:ext cx="9407768" cy="1323439"/>
-          </a:xfrm>
-          <a:prstGeom prst="rect">
-            <a:avLst/>
-          </a:prstGeom>
-          <a:noFill/>
-        </p:spPr>
-        <p:txBody>
-          <a:bodyPr wrap="square" rtlCol="0">
-            <a:spAutoFit/>
-          </a:bodyPr>
-          <a:lstStyle/>
-          <a:p>
-            <a:r>
-              <a:rPr lang="en-US" sz="8000" dirty="0">
-                <a:solidFill>
-                  <a:srgbClr val="FF0000"/>
-                </a:solidFill>
-                <a:latin typeface="Adobe Garamond Pro" panose="02020502060506020403" pitchFamily="18" charset="0"/>
-              </a:rPr>
-              <a:t>Agent-based model:</a:t>
-            </a:r>
-          </a:p>
-        </p:txBody>
-      </p:sp>
+      </p:pic>
       <p:sp>
         <p:nvSpPr>
           <p:cNvPr id="14" name="Freccia destra 13">
@@ -3351,36 +3381,6 @@
           </a:p>
         </p:txBody>
       </p:sp>
-      <p:pic>
-        <p:nvPicPr>
-          <p:cNvPr id="9" name="Immagine 8">
-            <a:extLst>
-              <a:ext uri="{FF2B5EF4-FFF2-40B4-BE49-F238E27FC236}">
-                <a16:creationId xmlns:a16="http://schemas.microsoft.com/office/drawing/2014/main" id="{40338048-2C15-6844-8464-33DA40DC5D15}"/>
-              </a:ext>
-            </a:extLst>
-          </p:cNvPr>
-          <p:cNvPicPr>
-            <a:picLocks noChangeAspect="1"/>
-          </p:cNvPicPr>
-          <p:nvPr/>
-        </p:nvPicPr>
-        <p:blipFill>
-          <a:blip r:embed="rId5"/>
-          <a:stretch>
-            <a:fillRect/>
-          </a:stretch>
-        </p:blipFill>
-        <p:spPr>
-          <a:xfrm>
-            <a:off x="2362201" y="25024016"/>
-            <a:ext cx="21013822" cy="10748980"/>
-          </a:xfrm>
-          <a:prstGeom prst="rect">
-            <a:avLst/>
-          </a:prstGeom>
-        </p:spPr>
-      </p:pic>
     </p:spTree>
     <p:extLst>
       <p:ext uri="{BB962C8B-B14F-4D97-AF65-F5344CB8AC3E}">

--- a/Oligopoly_poster.pptx
+++ b/Oligopoly_poster.pptx
@@ -243,7 +243,7 @@
           <a:p>
             <a:fld id="{C9FC48C4-32F4-494A-BA6C-1CB60B50F340}" type="datetimeFigureOut">
               <a:rPr lang="it-IT" smtClean="0"/>
-              <a:t>07/10/18</a:t>
+              <a:t>08/10/18</a:t>
             </a:fld>
             <a:endParaRPr lang="it-IT"/>
           </a:p>
@@ -408,7 +408,7 @@
           <a:p>
             <a:fld id="{C9FC48C4-32F4-494A-BA6C-1CB60B50F340}" type="datetimeFigureOut">
               <a:rPr lang="it-IT" smtClean="0"/>
-              <a:t>07/10/18</a:t>
+              <a:t>08/10/18</a:t>
             </a:fld>
             <a:endParaRPr lang="it-IT"/>
           </a:p>
@@ -583,7 +583,7 @@
           <a:p>
             <a:fld id="{C9FC48C4-32F4-494A-BA6C-1CB60B50F340}" type="datetimeFigureOut">
               <a:rPr lang="it-IT" smtClean="0"/>
-              <a:t>07/10/18</a:t>
+              <a:t>08/10/18</a:t>
             </a:fld>
             <a:endParaRPr lang="it-IT"/>
           </a:p>
@@ -748,7 +748,7 @@
           <a:p>
             <a:fld id="{C9FC48C4-32F4-494A-BA6C-1CB60B50F340}" type="datetimeFigureOut">
               <a:rPr lang="it-IT" smtClean="0"/>
-              <a:t>07/10/18</a:t>
+              <a:t>08/10/18</a:t>
             </a:fld>
             <a:endParaRPr lang="it-IT"/>
           </a:p>
@@ -987,7 +987,7 @@
           <a:p>
             <a:fld id="{C9FC48C4-32F4-494A-BA6C-1CB60B50F340}" type="datetimeFigureOut">
               <a:rPr lang="it-IT" smtClean="0"/>
-              <a:t>07/10/18</a:t>
+              <a:t>08/10/18</a:t>
             </a:fld>
             <a:endParaRPr lang="it-IT"/>
           </a:p>
@@ -1214,7 +1214,7 @@
           <a:p>
             <a:fld id="{C9FC48C4-32F4-494A-BA6C-1CB60B50F340}" type="datetimeFigureOut">
               <a:rPr lang="it-IT" smtClean="0"/>
-              <a:t>07/10/18</a:t>
+              <a:t>08/10/18</a:t>
             </a:fld>
             <a:endParaRPr lang="it-IT"/>
           </a:p>
@@ -1576,7 +1576,7 @@
           <a:p>
             <a:fld id="{C9FC48C4-32F4-494A-BA6C-1CB60B50F340}" type="datetimeFigureOut">
               <a:rPr lang="it-IT" smtClean="0"/>
-              <a:t>07/10/18</a:t>
+              <a:t>08/10/18</a:t>
             </a:fld>
             <a:endParaRPr lang="it-IT"/>
           </a:p>
@@ -1689,7 +1689,7 @@
           <a:p>
             <a:fld id="{C9FC48C4-32F4-494A-BA6C-1CB60B50F340}" type="datetimeFigureOut">
               <a:rPr lang="it-IT" smtClean="0"/>
-              <a:t>07/10/18</a:t>
+              <a:t>08/10/18</a:t>
             </a:fld>
             <a:endParaRPr lang="it-IT"/>
           </a:p>
@@ -1779,7 +1779,7 @@
           <a:p>
             <a:fld id="{C9FC48C4-32F4-494A-BA6C-1CB60B50F340}" type="datetimeFigureOut">
               <a:rPr lang="it-IT" smtClean="0"/>
-              <a:t>07/10/18</a:t>
+              <a:t>08/10/18</a:t>
             </a:fld>
             <a:endParaRPr lang="it-IT"/>
           </a:p>
@@ -2051,7 +2051,7 @@
           <a:p>
             <a:fld id="{C9FC48C4-32F4-494A-BA6C-1CB60B50F340}" type="datetimeFigureOut">
               <a:rPr lang="it-IT" smtClean="0"/>
-              <a:t>07/10/18</a:t>
+              <a:t>08/10/18</a:t>
             </a:fld>
             <a:endParaRPr lang="it-IT"/>
           </a:p>
@@ -2303,7 +2303,7 @@
           <a:p>
             <a:fld id="{C9FC48C4-32F4-494A-BA6C-1CB60B50F340}" type="datetimeFigureOut">
               <a:rPr lang="it-IT" smtClean="0"/>
-              <a:t>07/10/18</a:t>
+              <a:t>08/10/18</a:t>
             </a:fld>
             <a:endParaRPr lang="it-IT"/>
           </a:p>
@@ -2511,7 +2511,7 @@
           <a:p>
             <a:fld id="{C9FC48C4-32F4-494A-BA6C-1CB60B50F340}" type="datetimeFigureOut">
               <a:rPr lang="it-IT" smtClean="0"/>
-              <a:t>07/10/18</a:t>
+              <a:t>08/10/18</a:t>
             </a:fld>
             <a:endParaRPr lang="it-IT"/>
           </a:p>
@@ -3302,10 +3302,10 @@
       </p:pic>
       <p:pic>
         <p:nvPicPr>
-          <p:cNvPr id="7" name="Immagine 6">
+          <p:cNvPr id="4" name="Immagine 3">
             <a:extLst>
               <a:ext uri="{FF2B5EF4-FFF2-40B4-BE49-F238E27FC236}">
-                <a16:creationId xmlns:a16="http://schemas.microsoft.com/office/drawing/2014/main" id="{DAEAD122-5AA4-8644-A024-1534466ED583}"/>
+                <a16:creationId xmlns:a16="http://schemas.microsoft.com/office/drawing/2014/main" id="{CA5FB5B9-E221-4740-9504-494E464E1F46}"/>
               </a:ext>
             </a:extLst>
           </p:cNvPr>
@@ -3322,8 +3322,8 @@
         </p:blipFill>
         <p:spPr>
           <a:xfrm>
-            <a:off x="2245477" y="10089751"/>
-            <a:ext cx="20709022" cy="14621824"/>
+            <a:off x="2514601" y="10560734"/>
+            <a:ext cx="19735799" cy="13934670"/>
           </a:xfrm>
           <a:prstGeom prst="rect">
             <a:avLst/>
